--- a/Chapter6/Figures/Fig6.pptx
+++ b/Chapter6/Figures/Fig6.pptx
@@ -7,14 +7,14 @@
   <p:sldIdLst>
     <p:sldId id="256" r:id="rId2"/>
   </p:sldIdLst>
-  <p:sldSz cx="13681075" cy="5400675"/>
+  <p:sldSz cx="9361488" cy="10080625"/>
   <p:notesSz cx="6858000" cy="9144000"/>
   <p:defaultTextStyle>
     <a:defPPr>
       <a:defRPr lang="en-US"/>
     </a:defPPr>
-    <a:lvl1pPr marL="0" algn="l" defTabSz="1153790" rtl="0" eaLnBrk="1" latinLnBrk="0" hangingPunct="1">
-      <a:defRPr sz="2300" kern="1200">
+    <a:lvl1pPr marL="0" algn="l" defTabSz="1246004" rtl="0" eaLnBrk="1" latinLnBrk="0" hangingPunct="1">
+      <a:defRPr sz="2500" kern="1200">
         <a:solidFill>
           <a:schemeClr val="tx1"/>
         </a:solidFill>
@@ -23,8 +23,8 @@
         <a:cs typeface="+mn-cs"/>
       </a:defRPr>
     </a:lvl1pPr>
-    <a:lvl2pPr marL="576895" algn="l" defTabSz="1153790" rtl="0" eaLnBrk="1" latinLnBrk="0" hangingPunct="1">
-      <a:defRPr sz="2300" kern="1200">
+    <a:lvl2pPr marL="623001" algn="l" defTabSz="1246004" rtl="0" eaLnBrk="1" latinLnBrk="0" hangingPunct="1">
+      <a:defRPr sz="2500" kern="1200">
         <a:solidFill>
           <a:schemeClr val="tx1"/>
         </a:solidFill>
@@ -33,8 +33,8 @@
         <a:cs typeface="+mn-cs"/>
       </a:defRPr>
     </a:lvl2pPr>
-    <a:lvl3pPr marL="1153790" algn="l" defTabSz="1153790" rtl="0" eaLnBrk="1" latinLnBrk="0" hangingPunct="1">
-      <a:defRPr sz="2300" kern="1200">
+    <a:lvl3pPr marL="1246004" algn="l" defTabSz="1246004" rtl="0" eaLnBrk="1" latinLnBrk="0" hangingPunct="1">
+      <a:defRPr sz="2500" kern="1200">
         <a:solidFill>
           <a:schemeClr val="tx1"/>
         </a:solidFill>
@@ -43,8 +43,8 @@
         <a:cs typeface="+mn-cs"/>
       </a:defRPr>
     </a:lvl3pPr>
-    <a:lvl4pPr marL="1730685" algn="l" defTabSz="1153790" rtl="0" eaLnBrk="1" latinLnBrk="0" hangingPunct="1">
-      <a:defRPr sz="2300" kern="1200">
+    <a:lvl4pPr marL="1869005" algn="l" defTabSz="1246004" rtl="0" eaLnBrk="1" latinLnBrk="0" hangingPunct="1">
+      <a:defRPr sz="2500" kern="1200">
         <a:solidFill>
           <a:schemeClr val="tx1"/>
         </a:solidFill>
@@ -53,8 +53,8 @@
         <a:cs typeface="+mn-cs"/>
       </a:defRPr>
     </a:lvl4pPr>
-    <a:lvl5pPr marL="2307580" algn="l" defTabSz="1153790" rtl="0" eaLnBrk="1" latinLnBrk="0" hangingPunct="1">
-      <a:defRPr sz="2300" kern="1200">
+    <a:lvl5pPr marL="2492006" algn="l" defTabSz="1246004" rtl="0" eaLnBrk="1" latinLnBrk="0" hangingPunct="1">
+      <a:defRPr sz="2500" kern="1200">
         <a:solidFill>
           <a:schemeClr val="tx1"/>
         </a:solidFill>
@@ -63,8 +63,8 @@
         <a:cs typeface="+mn-cs"/>
       </a:defRPr>
     </a:lvl5pPr>
-    <a:lvl6pPr marL="2884475" algn="l" defTabSz="1153790" rtl="0" eaLnBrk="1" latinLnBrk="0" hangingPunct="1">
-      <a:defRPr sz="2300" kern="1200">
+    <a:lvl6pPr marL="3115008" algn="l" defTabSz="1246004" rtl="0" eaLnBrk="1" latinLnBrk="0" hangingPunct="1">
+      <a:defRPr sz="2500" kern="1200">
         <a:solidFill>
           <a:schemeClr val="tx1"/>
         </a:solidFill>
@@ -73,8 +73,8 @@
         <a:cs typeface="+mn-cs"/>
       </a:defRPr>
     </a:lvl6pPr>
-    <a:lvl7pPr marL="3461370" algn="l" defTabSz="1153790" rtl="0" eaLnBrk="1" latinLnBrk="0" hangingPunct="1">
-      <a:defRPr sz="2300" kern="1200">
+    <a:lvl7pPr marL="3738010" algn="l" defTabSz="1246004" rtl="0" eaLnBrk="1" latinLnBrk="0" hangingPunct="1">
+      <a:defRPr sz="2500" kern="1200">
         <a:solidFill>
           <a:schemeClr val="tx1"/>
         </a:solidFill>
@@ -83,8 +83,8 @@
         <a:cs typeface="+mn-cs"/>
       </a:defRPr>
     </a:lvl7pPr>
-    <a:lvl8pPr marL="4038265" algn="l" defTabSz="1153790" rtl="0" eaLnBrk="1" latinLnBrk="0" hangingPunct="1">
-      <a:defRPr sz="2300" kern="1200">
+    <a:lvl8pPr marL="4361011" algn="l" defTabSz="1246004" rtl="0" eaLnBrk="1" latinLnBrk="0" hangingPunct="1">
+      <a:defRPr sz="2500" kern="1200">
         <a:solidFill>
           <a:schemeClr val="tx1"/>
         </a:solidFill>
@@ -93,8 +93,8 @@
         <a:cs typeface="+mn-cs"/>
       </a:defRPr>
     </a:lvl8pPr>
-    <a:lvl9pPr marL="4615160" algn="l" defTabSz="1153790" rtl="0" eaLnBrk="1" latinLnBrk="0" hangingPunct="1">
-      <a:defRPr sz="2300" kern="1200">
+    <a:lvl9pPr marL="4984012" algn="l" defTabSz="1246004" rtl="0" eaLnBrk="1" latinLnBrk="0" hangingPunct="1">
+      <a:defRPr sz="2500" kern="1200">
         <a:solidFill>
           <a:schemeClr val="tx1"/>
         </a:solidFill>
@@ -136,8 +136,8 @@
         </p:nvSpPr>
         <p:spPr>
           <a:xfrm>
-            <a:off x="1026081" y="1677710"/>
-            <a:ext cx="11628914" cy="1157645"/>
+            <a:off x="702113" y="3131529"/>
+            <a:ext cx="7957264" cy="2160801"/>
           </a:xfrm>
         </p:spPr>
         <p:txBody>
@@ -164,8 +164,8 @@
         </p:nvSpPr>
         <p:spPr>
           <a:xfrm>
-            <a:off x="2052162" y="3060383"/>
-            <a:ext cx="9576753" cy="1380172"/>
+            <a:off x="1404223" y="5712355"/>
+            <a:ext cx="6553043" cy="2576159"/>
           </a:xfrm>
         </p:spPr>
         <p:txBody>
@@ -181,7 +181,7 @@
                 </a:solidFill>
               </a:defRPr>
             </a:lvl1pPr>
-            <a:lvl2pPr marL="576895" indent="0" algn="ctr">
+            <a:lvl2pPr marL="623001" indent="0" algn="ctr">
               <a:buNone/>
               <a:defRPr>
                 <a:solidFill>
@@ -191,7 +191,7 @@
                 </a:solidFill>
               </a:defRPr>
             </a:lvl2pPr>
-            <a:lvl3pPr marL="1153790" indent="0" algn="ctr">
+            <a:lvl3pPr marL="1246004" indent="0" algn="ctr">
               <a:buNone/>
               <a:defRPr>
                 <a:solidFill>
@@ -201,7 +201,7 @@
                 </a:solidFill>
               </a:defRPr>
             </a:lvl3pPr>
-            <a:lvl4pPr marL="1730685" indent="0" algn="ctr">
+            <a:lvl4pPr marL="1869005" indent="0" algn="ctr">
               <a:buNone/>
               <a:defRPr>
                 <a:solidFill>
@@ -211,7 +211,7 @@
                 </a:solidFill>
               </a:defRPr>
             </a:lvl4pPr>
-            <a:lvl5pPr marL="2307580" indent="0" algn="ctr">
+            <a:lvl5pPr marL="2492006" indent="0" algn="ctr">
               <a:buNone/>
               <a:defRPr>
                 <a:solidFill>
@@ -221,7 +221,7 @@
                 </a:solidFill>
               </a:defRPr>
             </a:lvl5pPr>
-            <a:lvl6pPr marL="2884475" indent="0" algn="ctr">
+            <a:lvl6pPr marL="3115008" indent="0" algn="ctr">
               <a:buNone/>
               <a:defRPr>
                 <a:solidFill>
@@ -231,7 +231,7 @@
                 </a:solidFill>
               </a:defRPr>
             </a:lvl6pPr>
-            <a:lvl7pPr marL="3461370" indent="0" algn="ctr">
+            <a:lvl7pPr marL="3738010" indent="0" algn="ctr">
               <a:buNone/>
               <a:defRPr>
                 <a:solidFill>
@@ -241,7 +241,7 @@
                 </a:solidFill>
               </a:defRPr>
             </a:lvl7pPr>
-            <a:lvl8pPr marL="4038265" indent="0" algn="ctr">
+            <a:lvl8pPr marL="4361011" indent="0" algn="ctr">
               <a:buNone/>
               <a:defRPr>
                 <a:solidFill>
@@ -251,7 +251,7 @@
                 </a:solidFill>
               </a:defRPr>
             </a:lvl8pPr>
-            <a:lvl9pPr marL="4615160" indent="0" algn="ctr">
+            <a:lvl9pPr marL="4984012" indent="0" algn="ctr">
               <a:buNone/>
               <a:defRPr>
                 <a:solidFill>
@@ -288,7 +288,7 @@
           <a:p>
             <a:fld id="{5760C193-F22B-47A4-84D6-4FB1A09B847A}" type="datetimeFigureOut">
               <a:rPr lang="en-GB" smtClean="0"/>
-              <a:t>20/05/2014</a:t>
+              <a:t>04/07/2014</a:t>
             </a:fld>
             <a:endParaRPr lang="en-GB"/>
           </a:p>
@@ -458,7 +458,7 @@
           <a:p>
             <a:fld id="{5760C193-F22B-47A4-84D6-4FB1A09B847A}" type="datetimeFigureOut">
               <a:rPr lang="en-GB" smtClean="0"/>
-              <a:t>20/05/2014</a:t>
+              <a:t>04/07/2014</a:t>
             </a:fld>
             <a:endParaRPr lang="en-GB"/>
           </a:p>
@@ -548,8 +548,8 @@
         </p:nvSpPr>
         <p:spPr>
           <a:xfrm>
-            <a:off x="11716797" y="136268"/>
-            <a:ext cx="3636410" cy="2904113"/>
+            <a:off x="8017401" y="254352"/>
+            <a:ext cx="2488270" cy="5420669"/>
           </a:xfrm>
         </p:spPr>
         <p:txBody>
@@ -576,8 +576,8 @@
         </p:nvSpPr>
         <p:spPr>
           <a:xfrm>
-            <a:off x="807562" y="136268"/>
-            <a:ext cx="10681216" cy="2904113"/>
+            <a:off x="552587" y="254352"/>
+            <a:ext cx="7308788" cy="5420669"/>
           </a:xfrm>
         </p:spPr>
         <p:txBody>
@@ -638,7 +638,7 @@
           <a:p>
             <a:fld id="{5760C193-F22B-47A4-84D6-4FB1A09B847A}" type="datetimeFigureOut">
               <a:rPr lang="en-GB" smtClean="0"/>
-              <a:t>20/05/2014</a:t>
+              <a:t>04/07/2014</a:t>
             </a:fld>
             <a:endParaRPr lang="en-GB"/>
           </a:p>
@@ -808,7 +808,7 @@
           <a:p>
             <a:fld id="{5760C193-F22B-47A4-84D6-4FB1A09B847A}" type="datetimeFigureOut">
               <a:rPr lang="en-GB" smtClean="0"/>
-              <a:t>20/05/2014</a:t>
+              <a:t>04/07/2014</a:t>
             </a:fld>
             <a:endParaRPr lang="en-GB"/>
           </a:p>
@@ -898,15 +898,15 @@
         </p:nvSpPr>
         <p:spPr>
           <a:xfrm>
-            <a:off x="1080711" y="3470435"/>
-            <a:ext cx="11628914" cy="1072634"/>
+            <a:off x="739493" y="6477738"/>
+            <a:ext cx="7957264" cy="2002124"/>
           </a:xfrm>
         </p:spPr>
         <p:txBody>
           <a:bodyPr anchor="t"/>
           <a:lstStyle>
             <a:lvl1pPr algn="l">
-              <a:defRPr sz="5000" b="1" cap="all"/>
+              <a:defRPr sz="5400" b="1" cap="all"/>
             </a:lvl1pPr>
           </a:lstStyle>
           <a:p>
@@ -930,14 +930,24 @@
         </p:nvSpPr>
         <p:spPr>
           <a:xfrm>
-            <a:off x="1080711" y="2289038"/>
-            <a:ext cx="11628914" cy="1181398"/>
+            <a:off x="739493" y="4272602"/>
+            <a:ext cx="7957264" cy="2205137"/>
           </a:xfrm>
         </p:spPr>
         <p:txBody>
           <a:bodyPr anchor="b"/>
           <a:lstStyle>
             <a:lvl1pPr marL="0" indent="0">
+              <a:buNone/>
+              <a:defRPr sz="2700">
+                <a:solidFill>
+                  <a:schemeClr val="tx1">
+                    <a:tint val="75000"/>
+                  </a:schemeClr>
+                </a:solidFill>
+              </a:defRPr>
+            </a:lvl1pPr>
+            <a:lvl2pPr marL="623001" indent="0">
               <a:buNone/>
               <a:defRPr sz="2500">
                 <a:solidFill>
@@ -946,18 +956,18 @@
                   </a:schemeClr>
                 </a:solidFill>
               </a:defRPr>
-            </a:lvl1pPr>
-            <a:lvl2pPr marL="576895" indent="0">
-              <a:buNone/>
-              <a:defRPr sz="2300">
+            </a:lvl2pPr>
+            <a:lvl3pPr marL="1246004" indent="0">
+              <a:buNone/>
+              <a:defRPr sz="2200">
                 <a:solidFill>
                   <a:schemeClr val="tx1">
                     <a:tint val="75000"/>
                   </a:schemeClr>
                 </a:solidFill>
               </a:defRPr>
-            </a:lvl2pPr>
-            <a:lvl3pPr marL="1153790" indent="0">
+            </a:lvl3pPr>
+            <a:lvl4pPr marL="1869005" indent="0">
               <a:buNone/>
               <a:defRPr sz="2000">
                 <a:solidFill>
@@ -966,20 +976,10 @@
                   </a:schemeClr>
                 </a:solidFill>
               </a:defRPr>
-            </a:lvl3pPr>
-            <a:lvl4pPr marL="1730685" indent="0">
-              <a:buNone/>
-              <a:defRPr sz="1800">
-                <a:solidFill>
-                  <a:schemeClr val="tx1">
-                    <a:tint val="75000"/>
-                  </a:schemeClr>
-                </a:solidFill>
-              </a:defRPr>
             </a:lvl4pPr>
-            <a:lvl5pPr marL="2307580" indent="0">
-              <a:buNone/>
-              <a:defRPr sz="1800">
+            <a:lvl5pPr marL="2492006" indent="0">
+              <a:buNone/>
+              <a:defRPr sz="2000">
                 <a:solidFill>
                   <a:schemeClr val="tx1">
                     <a:tint val="75000"/>
@@ -987,9 +987,9 @@
                 </a:solidFill>
               </a:defRPr>
             </a:lvl5pPr>
-            <a:lvl6pPr marL="2884475" indent="0">
-              <a:buNone/>
-              <a:defRPr sz="1800">
+            <a:lvl6pPr marL="3115008" indent="0">
+              <a:buNone/>
+              <a:defRPr sz="2000">
                 <a:solidFill>
                   <a:schemeClr val="tx1">
                     <a:tint val="75000"/>
@@ -997,9 +997,9 @@
                 </a:solidFill>
               </a:defRPr>
             </a:lvl6pPr>
-            <a:lvl7pPr marL="3461370" indent="0">
-              <a:buNone/>
-              <a:defRPr sz="1800">
+            <a:lvl7pPr marL="3738010" indent="0">
+              <a:buNone/>
+              <a:defRPr sz="2000">
                 <a:solidFill>
                   <a:schemeClr val="tx1">
                     <a:tint val="75000"/>
@@ -1007,9 +1007,9 @@
                 </a:solidFill>
               </a:defRPr>
             </a:lvl7pPr>
-            <a:lvl8pPr marL="4038265" indent="0">
-              <a:buNone/>
-              <a:defRPr sz="1800">
+            <a:lvl8pPr marL="4361011" indent="0">
+              <a:buNone/>
+              <a:defRPr sz="2000">
                 <a:solidFill>
                   <a:schemeClr val="tx1">
                     <a:tint val="75000"/>
@@ -1017,9 +1017,9 @@
                 </a:solidFill>
               </a:defRPr>
             </a:lvl8pPr>
-            <a:lvl9pPr marL="4615160" indent="0">
-              <a:buNone/>
-              <a:defRPr sz="1800">
+            <a:lvl9pPr marL="4984012" indent="0">
+              <a:buNone/>
+              <a:defRPr sz="2000">
                 <a:solidFill>
                   <a:schemeClr val="tx1">
                     <a:tint val="75000"/>
@@ -1054,7 +1054,7 @@
           <a:p>
             <a:fld id="{5760C193-F22B-47A4-84D6-4FB1A09B847A}" type="datetimeFigureOut">
               <a:rPr lang="en-GB" smtClean="0"/>
-              <a:t>20/05/2014</a:t>
+              <a:t>04/07/2014</a:t>
             </a:fld>
             <a:endParaRPr lang="en-GB"/>
           </a:p>
@@ -1167,39 +1167,39 @@
         </p:nvSpPr>
         <p:spPr>
           <a:xfrm>
-            <a:off x="807564" y="793851"/>
-            <a:ext cx="7158812" cy="2246530"/>
+            <a:off x="552589" y="1481763"/>
+            <a:ext cx="4898528" cy="4193259"/>
           </a:xfrm>
         </p:spPr>
         <p:txBody>
           <a:bodyPr/>
           <a:lstStyle>
             <a:lvl1pPr>
-              <a:defRPr sz="3500"/>
+              <a:defRPr sz="3800"/>
             </a:lvl1pPr>
             <a:lvl2pPr>
-              <a:defRPr sz="3000"/>
+              <a:defRPr sz="3200"/>
             </a:lvl2pPr>
             <a:lvl3pPr>
-              <a:defRPr sz="2500"/>
+              <a:defRPr sz="2700"/>
             </a:lvl3pPr>
             <a:lvl4pPr>
-              <a:defRPr sz="2300"/>
+              <a:defRPr sz="2500"/>
             </a:lvl4pPr>
             <a:lvl5pPr>
-              <a:defRPr sz="2300"/>
+              <a:defRPr sz="2500"/>
             </a:lvl5pPr>
             <a:lvl6pPr>
-              <a:defRPr sz="2300"/>
+              <a:defRPr sz="2500"/>
             </a:lvl6pPr>
             <a:lvl7pPr>
-              <a:defRPr sz="2300"/>
+              <a:defRPr sz="2500"/>
             </a:lvl7pPr>
             <a:lvl8pPr>
-              <a:defRPr sz="2300"/>
+              <a:defRPr sz="2500"/>
             </a:lvl8pPr>
             <a:lvl9pPr>
-              <a:defRPr sz="2300"/>
+              <a:defRPr sz="2500"/>
             </a:lvl9pPr>
           </a:lstStyle>
           <a:p>
@@ -1252,39 +1252,39 @@
         </p:nvSpPr>
         <p:spPr>
           <a:xfrm>
-            <a:off x="8194394" y="793851"/>
-            <a:ext cx="7158812" cy="2246530"/>
+            <a:off x="5607142" y="1481763"/>
+            <a:ext cx="4898528" cy="4193259"/>
           </a:xfrm>
         </p:spPr>
         <p:txBody>
           <a:bodyPr/>
           <a:lstStyle>
             <a:lvl1pPr>
-              <a:defRPr sz="3500"/>
+              <a:defRPr sz="3800"/>
             </a:lvl1pPr>
             <a:lvl2pPr>
-              <a:defRPr sz="3000"/>
+              <a:defRPr sz="3200"/>
             </a:lvl2pPr>
             <a:lvl3pPr>
-              <a:defRPr sz="2500"/>
+              <a:defRPr sz="2700"/>
             </a:lvl3pPr>
             <a:lvl4pPr>
-              <a:defRPr sz="2300"/>
+              <a:defRPr sz="2500"/>
             </a:lvl4pPr>
             <a:lvl5pPr>
-              <a:defRPr sz="2300"/>
+              <a:defRPr sz="2500"/>
             </a:lvl5pPr>
             <a:lvl6pPr>
-              <a:defRPr sz="2300"/>
+              <a:defRPr sz="2500"/>
             </a:lvl6pPr>
             <a:lvl7pPr>
-              <a:defRPr sz="2300"/>
+              <a:defRPr sz="2500"/>
             </a:lvl7pPr>
             <a:lvl8pPr>
-              <a:defRPr sz="2300"/>
+              <a:defRPr sz="2500"/>
             </a:lvl8pPr>
             <a:lvl9pPr>
-              <a:defRPr sz="2300"/>
+              <a:defRPr sz="2500"/>
             </a:lvl9pPr>
           </a:lstStyle>
           <a:p>
@@ -1342,7 +1342,7 @@
           <a:p>
             <a:fld id="{5760C193-F22B-47A4-84D6-4FB1A09B847A}" type="datetimeFigureOut">
               <a:rPr lang="en-GB" smtClean="0"/>
-              <a:t>20/05/2014</a:t>
+              <a:t>04/07/2014</a:t>
             </a:fld>
             <a:endParaRPr lang="en-GB"/>
           </a:p>
@@ -1432,8 +1432,8 @@
         </p:nvSpPr>
         <p:spPr>
           <a:xfrm>
-            <a:off x="684055" y="216277"/>
-            <a:ext cx="12312968" cy="900113"/>
+            <a:off x="468076" y="403693"/>
+            <a:ext cx="8425340" cy="1680105"/>
           </a:xfrm>
         </p:spPr>
         <p:txBody>
@@ -1464,8 +1464,8 @@
         </p:nvSpPr>
         <p:spPr>
           <a:xfrm>
-            <a:off x="684054" y="1208902"/>
-            <a:ext cx="6044851" cy="503812"/>
+            <a:off x="468075" y="2256476"/>
+            <a:ext cx="4136283" cy="940390"/>
           </a:xfrm>
         </p:spPr>
         <p:txBody>
@@ -1473,39 +1473,39 @@
           <a:lstStyle>
             <a:lvl1pPr marL="0" indent="0">
               <a:buNone/>
-              <a:defRPr sz="3000" b="1"/>
+              <a:defRPr sz="3200" b="1"/>
             </a:lvl1pPr>
-            <a:lvl2pPr marL="576895" indent="0">
+            <a:lvl2pPr marL="623001" indent="0">
+              <a:buNone/>
+              <a:defRPr sz="2700" b="1"/>
+            </a:lvl2pPr>
+            <a:lvl3pPr marL="1246004" indent="0">
               <a:buNone/>
               <a:defRPr sz="2500" b="1"/>
-            </a:lvl2pPr>
-            <a:lvl3pPr marL="1153790" indent="0">
-              <a:buNone/>
-              <a:defRPr sz="2300" b="1"/>
             </a:lvl3pPr>
-            <a:lvl4pPr marL="1730685" indent="0">
-              <a:buNone/>
-              <a:defRPr sz="2000" b="1"/>
+            <a:lvl4pPr marL="1869005" indent="0">
+              <a:buNone/>
+              <a:defRPr sz="2200" b="1"/>
             </a:lvl4pPr>
-            <a:lvl5pPr marL="2307580" indent="0">
-              <a:buNone/>
-              <a:defRPr sz="2000" b="1"/>
+            <a:lvl5pPr marL="2492006" indent="0">
+              <a:buNone/>
+              <a:defRPr sz="2200" b="1"/>
             </a:lvl5pPr>
-            <a:lvl6pPr marL="2884475" indent="0">
-              <a:buNone/>
-              <a:defRPr sz="2000" b="1"/>
+            <a:lvl6pPr marL="3115008" indent="0">
+              <a:buNone/>
+              <a:defRPr sz="2200" b="1"/>
             </a:lvl6pPr>
-            <a:lvl7pPr marL="3461370" indent="0">
-              <a:buNone/>
-              <a:defRPr sz="2000" b="1"/>
+            <a:lvl7pPr marL="3738010" indent="0">
+              <a:buNone/>
+              <a:defRPr sz="2200" b="1"/>
             </a:lvl7pPr>
-            <a:lvl8pPr marL="4038265" indent="0">
-              <a:buNone/>
-              <a:defRPr sz="2000" b="1"/>
+            <a:lvl8pPr marL="4361011" indent="0">
+              <a:buNone/>
+              <a:defRPr sz="2200" b="1"/>
             </a:lvl8pPr>
-            <a:lvl9pPr marL="4615160" indent="0">
-              <a:buNone/>
-              <a:defRPr sz="2000" b="1"/>
+            <a:lvl9pPr marL="4984012" indent="0">
+              <a:buNone/>
+              <a:defRPr sz="2200" b="1"/>
             </a:lvl9pPr>
           </a:lstStyle>
           <a:p>
@@ -1529,39 +1529,39 @@
         </p:nvSpPr>
         <p:spPr>
           <a:xfrm>
-            <a:off x="684054" y="1712715"/>
-            <a:ext cx="6044851" cy="3111639"/>
+            <a:off x="468075" y="3196868"/>
+            <a:ext cx="4136283" cy="5808027"/>
           </a:xfrm>
         </p:spPr>
         <p:txBody>
           <a:bodyPr/>
           <a:lstStyle>
             <a:lvl1pPr>
-              <a:defRPr sz="3000"/>
+              <a:defRPr sz="3200"/>
             </a:lvl1pPr>
             <a:lvl2pPr>
-              <a:defRPr sz="2500"/>
+              <a:defRPr sz="2700"/>
             </a:lvl2pPr>
             <a:lvl3pPr>
-              <a:defRPr sz="2300"/>
+              <a:defRPr sz="2500"/>
             </a:lvl3pPr>
             <a:lvl4pPr>
-              <a:defRPr sz="2000"/>
+              <a:defRPr sz="2200"/>
             </a:lvl4pPr>
             <a:lvl5pPr>
-              <a:defRPr sz="2000"/>
+              <a:defRPr sz="2200"/>
             </a:lvl5pPr>
             <a:lvl6pPr>
-              <a:defRPr sz="2000"/>
+              <a:defRPr sz="2200"/>
             </a:lvl6pPr>
             <a:lvl7pPr>
-              <a:defRPr sz="2000"/>
+              <a:defRPr sz="2200"/>
             </a:lvl7pPr>
             <a:lvl8pPr>
-              <a:defRPr sz="2000"/>
+              <a:defRPr sz="2200"/>
             </a:lvl8pPr>
             <a:lvl9pPr>
-              <a:defRPr sz="2000"/>
+              <a:defRPr sz="2200"/>
             </a:lvl9pPr>
           </a:lstStyle>
           <a:p>
@@ -1614,8 +1614,8 @@
         </p:nvSpPr>
         <p:spPr>
           <a:xfrm>
-            <a:off x="6949797" y="1208902"/>
-            <a:ext cx="6047226" cy="503812"/>
+            <a:off x="4755507" y="2256476"/>
+            <a:ext cx="4137909" cy="940390"/>
           </a:xfrm>
         </p:spPr>
         <p:txBody>
@@ -1623,39 +1623,39 @@
           <a:lstStyle>
             <a:lvl1pPr marL="0" indent="0">
               <a:buNone/>
-              <a:defRPr sz="3000" b="1"/>
+              <a:defRPr sz="3200" b="1"/>
             </a:lvl1pPr>
-            <a:lvl2pPr marL="576895" indent="0">
+            <a:lvl2pPr marL="623001" indent="0">
+              <a:buNone/>
+              <a:defRPr sz="2700" b="1"/>
+            </a:lvl2pPr>
+            <a:lvl3pPr marL="1246004" indent="0">
               <a:buNone/>
               <a:defRPr sz="2500" b="1"/>
-            </a:lvl2pPr>
-            <a:lvl3pPr marL="1153790" indent="0">
-              <a:buNone/>
-              <a:defRPr sz="2300" b="1"/>
             </a:lvl3pPr>
-            <a:lvl4pPr marL="1730685" indent="0">
-              <a:buNone/>
-              <a:defRPr sz="2000" b="1"/>
+            <a:lvl4pPr marL="1869005" indent="0">
+              <a:buNone/>
+              <a:defRPr sz="2200" b="1"/>
             </a:lvl4pPr>
-            <a:lvl5pPr marL="2307580" indent="0">
-              <a:buNone/>
-              <a:defRPr sz="2000" b="1"/>
+            <a:lvl5pPr marL="2492006" indent="0">
+              <a:buNone/>
+              <a:defRPr sz="2200" b="1"/>
             </a:lvl5pPr>
-            <a:lvl6pPr marL="2884475" indent="0">
-              <a:buNone/>
-              <a:defRPr sz="2000" b="1"/>
+            <a:lvl6pPr marL="3115008" indent="0">
+              <a:buNone/>
+              <a:defRPr sz="2200" b="1"/>
             </a:lvl6pPr>
-            <a:lvl7pPr marL="3461370" indent="0">
-              <a:buNone/>
-              <a:defRPr sz="2000" b="1"/>
+            <a:lvl7pPr marL="3738010" indent="0">
+              <a:buNone/>
+              <a:defRPr sz="2200" b="1"/>
             </a:lvl7pPr>
-            <a:lvl8pPr marL="4038265" indent="0">
-              <a:buNone/>
-              <a:defRPr sz="2000" b="1"/>
+            <a:lvl8pPr marL="4361011" indent="0">
+              <a:buNone/>
+              <a:defRPr sz="2200" b="1"/>
             </a:lvl8pPr>
-            <a:lvl9pPr marL="4615160" indent="0">
-              <a:buNone/>
-              <a:defRPr sz="2000" b="1"/>
+            <a:lvl9pPr marL="4984012" indent="0">
+              <a:buNone/>
+              <a:defRPr sz="2200" b="1"/>
             </a:lvl9pPr>
           </a:lstStyle>
           <a:p>
@@ -1679,39 +1679,39 @@
         </p:nvSpPr>
         <p:spPr>
           <a:xfrm>
-            <a:off x="6949797" y="1712715"/>
-            <a:ext cx="6047226" cy="3111639"/>
+            <a:off x="4755507" y="3196868"/>
+            <a:ext cx="4137909" cy="5808027"/>
           </a:xfrm>
         </p:spPr>
         <p:txBody>
           <a:bodyPr/>
           <a:lstStyle>
             <a:lvl1pPr>
-              <a:defRPr sz="3000"/>
+              <a:defRPr sz="3200"/>
             </a:lvl1pPr>
             <a:lvl2pPr>
-              <a:defRPr sz="2500"/>
+              <a:defRPr sz="2700"/>
             </a:lvl2pPr>
             <a:lvl3pPr>
-              <a:defRPr sz="2300"/>
+              <a:defRPr sz="2500"/>
             </a:lvl3pPr>
             <a:lvl4pPr>
-              <a:defRPr sz="2000"/>
+              <a:defRPr sz="2200"/>
             </a:lvl4pPr>
             <a:lvl5pPr>
-              <a:defRPr sz="2000"/>
+              <a:defRPr sz="2200"/>
             </a:lvl5pPr>
             <a:lvl6pPr>
-              <a:defRPr sz="2000"/>
+              <a:defRPr sz="2200"/>
             </a:lvl6pPr>
             <a:lvl7pPr>
-              <a:defRPr sz="2000"/>
+              <a:defRPr sz="2200"/>
             </a:lvl7pPr>
             <a:lvl8pPr>
-              <a:defRPr sz="2000"/>
+              <a:defRPr sz="2200"/>
             </a:lvl8pPr>
             <a:lvl9pPr>
-              <a:defRPr sz="2000"/>
+              <a:defRPr sz="2200"/>
             </a:lvl9pPr>
           </a:lstStyle>
           <a:p>
@@ -1769,7 +1769,7 @@
           <a:p>
             <a:fld id="{5760C193-F22B-47A4-84D6-4FB1A09B847A}" type="datetimeFigureOut">
               <a:rPr lang="en-GB" smtClean="0"/>
-              <a:t>20/05/2014</a:t>
+              <a:t>04/07/2014</a:t>
             </a:fld>
             <a:endParaRPr lang="en-GB"/>
           </a:p>
@@ -1887,7 +1887,7 @@
           <a:p>
             <a:fld id="{5760C193-F22B-47A4-84D6-4FB1A09B847A}" type="datetimeFigureOut">
               <a:rPr lang="en-GB" smtClean="0"/>
-              <a:t>20/05/2014</a:t>
+              <a:t>04/07/2014</a:t>
             </a:fld>
             <a:endParaRPr lang="en-GB"/>
           </a:p>
@@ -1982,7 +1982,7 @@
           <a:p>
             <a:fld id="{5760C193-F22B-47A4-84D6-4FB1A09B847A}" type="datetimeFigureOut">
               <a:rPr lang="en-GB" smtClean="0"/>
-              <a:t>20/05/2014</a:t>
+              <a:t>04/07/2014</a:t>
             </a:fld>
             <a:endParaRPr lang="en-GB"/>
           </a:p>
@@ -2072,15 +2072,15 @@
         </p:nvSpPr>
         <p:spPr>
           <a:xfrm>
-            <a:off x="684054" y="215028"/>
-            <a:ext cx="4500980" cy="915114"/>
+            <a:off x="468075" y="401360"/>
+            <a:ext cx="3079865" cy="1708105"/>
           </a:xfrm>
         </p:spPr>
         <p:txBody>
           <a:bodyPr anchor="b"/>
           <a:lstStyle>
             <a:lvl1pPr algn="l">
-              <a:defRPr sz="2500" b="1"/>
+              <a:defRPr sz="2700" b="1"/>
             </a:lvl1pPr>
           </a:lstStyle>
           <a:p>
@@ -2104,39 +2104,39 @@
         </p:nvSpPr>
         <p:spPr>
           <a:xfrm>
-            <a:off x="5348921" y="215028"/>
-            <a:ext cx="7648101" cy="4609326"/>
+            <a:off x="3660083" y="401360"/>
+            <a:ext cx="5233332" cy="8603533"/>
           </a:xfrm>
         </p:spPr>
         <p:txBody>
           <a:bodyPr/>
           <a:lstStyle>
             <a:lvl1pPr>
-              <a:defRPr sz="4000"/>
+              <a:defRPr sz="4400"/>
             </a:lvl1pPr>
             <a:lvl2pPr>
-              <a:defRPr sz="3500"/>
+              <a:defRPr sz="3800"/>
             </a:lvl2pPr>
             <a:lvl3pPr>
-              <a:defRPr sz="3000"/>
+              <a:defRPr sz="3200"/>
             </a:lvl3pPr>
             <a:lvl4pPr>
-              <a:defRPr sz="2500"/>
+              <a:defRPr sz="2700"/>
             </a:lvl4pPr>
             <a:lvl5pPr>
-              <a:defRPr sz="2500"/>
+              <a:defRPr sz="2700"/>
             </a:lvl5pPr>
             <a:lvl6pPr>
-              <a:defRPr sz="2500"/>
+              <a:defRPr sz="2700"/>
             </a:lvl6pPr>
             <a:lvl7pPr>
-              <a:defRPr sz="2500"/>
+              <a:defRPr sz="2700"/>
             </a:lvl7pPr>
             <a:lvl8pPr>
-              <a:defRPr sz="2500"/>
+              <a:defRPr sz="2700"/>
             </a:lvl8pPr>
             <a:lvl9pPr>
-              <a:defRPr sz="2500"/>
+              <a:defRPr sz="2700"/>
             </a:lvl9pPr>
           </a:lstStyle>
           <a:p>
@@ -2189,8 +2189,8 @@
         </p:nvSpPr>
         <p:spPr>
           <a:xfrm>
-            <a:off x="684054" y="1130141"/>
-            <a:ext cx="4500980" cy="3694212"/>
+            <a:off x="468075" y="2109464"/>
+            <a:ext cx="3079865" cy="6895428"/>
           </a:xfrm>
         </p:spPr>
         <p:txBody>
@@ -2198,39 +2198,39 @@
           <a:lstStyle>
             <a:lvl1pPr marL="0" indent="0">
               <a:buNone/>
-              <a:defRPr sz="1800"/>
+              <a:defRPr sz="2000"/>
             </a:lvl1pPr>
-            <a:lvl2pPr marL="576895" indent="0">
-              <a:buNone/>
-              <a:defRPr sz="1500"/>
+            <a:lvl2pPr marL="623001" indent="0">
+              <a:buNone/>
+              <a:defRPr sz="1600"/>
             </a:lvl2pPr>
-            <a:lvl3pPr marL="1153790" indent="0">
-              <a:buNone/>
-              <a:defRPr sz="1300"/>
+            <a:lvl3pPr marL="1246004" indent="0">
+              <a:buNone/>
+              <a:defRPr sz="1400"/>
             </a:lvl3pPr>
-            <a:lvl4pPr marL="1730685" indent="0">
-              <a:buNone/>
-              <a:defRPr sz="1100"/>
+            <a:lvl4pPr marL="1869005" indent="0">
+              <a:buNone/>
+              <a:defRPr sz="1200"/>
             </a:lvl4pPr>
-            <a:lvl5pPr marL="2307580" indent="0">
-              <a:buNone/>
-              <a:defRPr sz="1100"/>
+            <a:lvl5pPr marL="2492006" indent="0">
+              <a:buNone/>
+              <a:defRPr sz="1200"/>
             </a:lvl5pPr>
-            <a:lvl6pPr marL="2884475" indent="0">
-              <a:buNone/>
-              <a:defRPr sz="1100"/>
+            <a:lvl6pPr marL="3115008" indent="0">
+              <a:buNone/>
+              <a:defRPr sz="1200"/>
             </a:lvl6pPr>
-            <a:lvl7pPr marL="3461370" indent="0">
-              <a:buNone/>
-              <a:defRPr sz="1100"/>
+            <a:lvl7pPr marL="3738010" indent="0">
+              <a:buNone/>
+              <a:defRPr sz="1200"/>
             </a:lvl7pPr>
-            <a:lvl8pPr marL="4038265" indent="0">
-              <a:buNone/>
-              <a:defRPr sz="1100"/>
+            <a:lvl8pPr marL="4361011" indent="0">
+              <a:buNone/>
+              <a:defRPr sz="1200"/>
             </a:lvl8pPr>
-            <a:lvl9pPr marL="4615160" indent="0">
-              <a:buNone/>
-              <a:defRPr sz="1100"/>
+            <a:lvl9pPr marL="4984012" indent="0">
+              <a:buNone/>
+              <a:defRPr sz="1200"/>
             </a:lvl9pPr>
           </a:lstStyle>
           <a:p>
@@ -2259,7 +2259,7 @@
           <a:p>
             <a:fld id="{5760C193-F22B-47A4-84D6-4FB1A09B847A}" type="datetimeFigureOut">
               <a:rPr lang="en-GB" smtClean="0"/>
-              <a:t>20/05/2014</a:t>
+              <a:t>04/07/2014</a:t>
             </a:fld>
             <a:endParaRPr lang="en-GB"/>
           </a:p>
@@ -2349,15 +2349,15 @@
         </p:nvSpPr>
         <p:spPr>
           <a:xfrm>
-            <a:off x="2681586" y="3780474"/>
-            <a:ext cx="8208645" cy="446306"/>
+            <a:off x="1834918" y="7056440"/>
+            <a:ext cx="5616893" cy="833052"/>
           </a:xfrm>
         </p:spPr>
         <p:txBody>
           <a:bodyPr anchor="b"/>
           <a:lstStyle>
             <a:lvl1pPr algn="l">
-              <a:defRPr sz="2500" b="1"/>
+              <a:defRPr sz="2700" b="1"/>
             </a:lvl1pPr>
           </a:lstStyle>
           <a:p>
@@ -2381,8 +2381,8 @@
         </p:nvSpPr>
         <p:spPr>
           <a:xfrm>
-            <a:off x="2681586" y="482561"/>
-            <a:ext cx="8208645" cy="3240405"/>
+            <a:off x="1834918" y="900725"/>
+            <a:ext cx="5616893" cy="6048375"/>
           </a:xfrm>
         </p:spPr>
         <p:txBody>
@@ -2390,39 +2390,39 @@
           <a:lstStyle>
             <a:lvl1pPr marL="0" indent="0">
               <a:buNone/>
-              <a:defRPr sz="4000"/>
+              <a:defRPr sz="4400"/>
             </a:lvl1pPr>
-            <a:lvl2pPr marL="576895" indent="0">
-              <a:buNone/>
-              <a:defRPr sz="3500"/>
+            <a:lvl2pPr marL="623001" indent="0">
+              <a:buNone/>
+              <a:defRPr sz="3800"/>
             </a:lvl2pPr>
-            <a:lvl3pPr marL="1153790" indent="0">
-              <a:buNone/>
-              <a:defRPr sz="3000"/>
+            <a:lvl3pPr marL="1246004" indent="0">
+              <a:buNone/>
+              <a:defRPr sz="3200"/>
             </a:lvl3pPr>
-            <a:lvl4pPr marL="1730685" indent="0">
-              <a:buNone/>
-              <a:defRPr sz="2500"/>
+            <a:lvl4pPr marL="1869005" indent="0">
+              <a:buNone/>
+              <a:defRPr sz="2700"/>
             </a:lvl4pPr>
-            <a:lvl5pPr marL="2307580" indent="0">
-              <a:buNone/>
-              <a:defRPr sz="2500"/>
+            <a:lvl5pPr marL="2492006" indent="0">
+              <a:buNone/>
+              <a:defRPr sz="2700"/>
             </a:lvl5pPr>
-            <a:lvl6pPr marL="2884475" indent="0">
-              <a:buNone/>
-              <a:defRPr sz="2500"/>
+            <a:lvl6pPr marL="3115008" indent="0">
+              <a:buNone/>
+              <a:defRPr sz="2700"/>
             </a:lvl6pPr>
-            <a:lvl7pPr marL="3461370" indent="0">
-              <a:buNone/>
-              <a:defRPr sz="2500"/>
+            <a:lvl7pPr marL="3738010" indent="0">
+              <a:buNone/>
+              <a:defRPr sz="2700"/>
             </a:lvl7pPr>
-            <a:lvl8pPr marL="4038265" indent="0">
-              <a:buNone/>
-              <a:defRPr sz="2500"/>
+            <a:lvl8pPr marL="4361011" indent="0">
+              <a:buNone/>
+              <a:defRPr sz="2700"/>
             </a:lvl8pPr>
-            <a:lvl9pPr marL="4615160" indent="0">
-              <a:buNone/>
-              <a:defRPr sz="2500"/>
+            <a:lvl9pPr marL="4984012" indent="0">
+              <a:buNone/>
+              <a:defRPr sz="2700"/>
             </a:lvl9pPr>
           </a:lstStyle>
           <a:p>
@@ -2442,8 +2442,8 @@
         </p:nvSpPr>
         <p:spPr>
           <a:xfrm>
-            <a:off x="2681586" y="4226779"/>
-            <a:ext cx="8208645" cy="633829"/>
+            <a:off x="1834918" y="7889491"/>
+            <a:ext cx="5616893" cy="1183073"/>
           </a:xfrm>
         </p:spPr>
         <p:txBody>
@@ -2451,39 +2451,39 @@
           <a:lstStyle>
             <a:lvl1pPr marL="0" indent="0">
               <a:buNone/>
-              <a:defRPr sz="1800"/>
+              <a:defRPr sz="2000"/>
             </a:lvl1pPr>
-            <a:lvl2pPr marL="576895" indent="0">
-              <a:buNone/>
-              <a:defRPr sz="1500"/>
+            <a:lvl2pPr marL="623001" indent="0">
+              <a:buNone/>
+              <a:defRPr sz="1600"/>
             </a:lvl2pPr>
-            <a:lvl3pPr marL="1153790" indent="0">
-              <a:buNone/>
-              <a:defRPr sz="1300"/>
+            <a:lvl3pPr marL="1246004" indent="0">
+              <a:buNone/>
+              <a:defRPr sz="1400"/>
             </a:lvl3pPr>
-            <a:lvl4pPr marL="1730685" indent="0">
-              <a:buNone/>
-              <a:defRPr sz="1100"/>
+            <a:lvl4pPr marL="1869005" indent="0">
+              <a:buNone/>
+              <a:defRPr sz="1200"/>
             </a:lvl4pPr>
-            <a:lvl5pPr marL="2307580" indent="0">
-              <a:buNone/>
-              <a:defRPr sz="1100"/>
+            <a:lvl5pPr marL="2492006" indent="0">
+              <a:buNone/>
+              <a:defRPr sz="1200"/>
             </a:lvl5pPr>
-            <a:lvl6pPr marL="2884475" indent="0">
-              <a:buNone/>
-              <a:defRPr sz="1100"/>
+            <a:lvl6pPr marL="3115008" indent="0">
+              <a:buNone/>
+              <a:defRPr sz="1200"/>
             </a:lvl6pPr>
-            <a:lvl7pPr marL="3461370" indent="0">
-              <a:buNone/>
-              <a:defRPr sz="1100"/>
+            <a:lvl7pPr marL="3738010" indent="0">
+              <a:buNone/>
+              <a:defRPr sz="1200"/>
             </a:lvl7pPr>
-            <a:lvl8pPr marL="4038265" indent="0">
-              <a:buNone/>
-              <a:defRPr sz="1100"/>
+            <a:lvl8pPr marL="4361011" indent="0">
+              <a:buNone/>
+              <a:defRPr sz="1200"/>
             </a:lvl8pPr>
-            <a:lvl9pPr marL="4615160" indent="0">
-              <a:buNone/>
-              <a:defRPr sz="1100"/>
+            <a:lvl9pPr marL="4984012" indent="0">
+              <a:buNone/>
+              <a:defRPr sz="1200"/>
             </a:lvl9pPr>
           </a:lstStyle>
           <a:p>
@@ -2512,7 +2512,7 @@
           <a:p>
             <a:fld id="{5760C193-F22B-47A4-84D6-4FB1A09B847A}" type="datetimeFigureOut">
               <a:rPr lang="en-GB" smtClean="0"/>
-              <a:t>20/05/2014</a:t>
+              <a:t>04/07/2014</a:t>
             </a:fld>
             <a:endParaRPr lang="en-GB"/>
           </a:p>
@@ -2607,15 +2607,15 @@
         </p:nvSpPr>
         <p:spPr>
           <a:xfrm>
-            <a:off x="684055" y="216277"/>
-            <a:ext cx="12312968" cy="900113"/>
+            <a:off x="468076" y="403693"/>
+            <a:ext cx="8425340" cy="1680105"/>
           </a:xfrm>
           <a:prstGeom prst="rect">
             <a:avLst/>
           </a:prstGeom>
         </p:spPr>
         <p:txBody>
-          <a:bodyPr vert="horz" lIns="115379" tIns="57689" rIns="115379" bIns="57689" rtlCol="0" anchor="ctr">
+          <a:bodyPr vert="horz" lIns="124600" tIns="62299" rIns="124600" bIns="62299" rtlCol="0" anchor="ctr">
             <a:normAutofit/>
           </a:bodyPr>
           <a:lstStyle/>
@@ -2640,15 +2640,15 @@
         </p:nvSpPr>
         <p:spPr>
           <a:xfrm>
-            <a:off x="684055" y="1260157"/>
-            <a:ext cx="12312968" cy="3564196"/>
+            <a:off x="468076" y="2352146"/>
+            <a:ext cx="8425340" cy="6652747"/>
           </a:xfrm>
           <a:prstGeom prst="rect">
             <a:avLst/>
           </a:prstGeom>
         </p:spPr>
         <p:txBody>
-          <a:bodyPr vert="horz" lIns="115379" tIns="57689" rIns="115379" bIns="57689" rtlCol="0">
+          <a:bodyPr vert="horz" lIns="124600" tIns="62299" rIns="124600" bIns="62299" rtlCol="0">
             <a:normAutofit/>
           </a:bodyPr>
           <a:lstStyle/>
@@ -2702,18 +2702,18 @@
         </p:nvSpPr>
         <p:spPr>
           <a:xfrm>
-            <a:off x="684055" y="5005626"/>
-            <a:ext cx="3192251" cy="287536"/>
+            <a:off x="468076" y="9343248"/>
+            <a:ext cx="2184348" cy="536700"/>
           </a:xfrm>
           <a:prstGeom prst="rect">
             <a:avLst/>
           </a:prstGeom>
         </p:spPr>
         <p:txBody>
-          <a:bodyPr vert="horz" lIns="115379" tIns="57689" rIns="115379" bIns="57689" rtlCol="0" anchor="ctr"/>
+          <a:bodyPr vert="horz" lIns="124600" tIns="62299" rIns="124600" bIns="62299" rtlCol="0" anchor="ctr"/>
           <a:lstStyle>
             <a:lvl1pPr algn="l">
-              <a:defRPr sz="1500">
+              <a:defRPr sz="1600">
                 <a:solidFill>
                   <a:schemeClr val="tx1">
                     <a:tint val="75000"/>
@@ -2725,7 +2725,7 @@
           <a:p>
             <a:fld id="{5760C193-F22B-47A4-84D6-4FB1A09B847A}" type="datetimeFigureOut">
               <a:rPr lang="en-GB" smtClean="0"/>
-              <a:t>20/05/2014</a:t>
+              <a:t>04/07/2014</a:t>
             </a:fld>
             <a:endParaRPr lang="en-GB"/>
           </a:p>
@@ -2743,18 +2743,18 @@
         </p:nvSpPr>
         <p:spPr>
           <a:xfrm>
-            <a:off x="4674367" y="5005626"/>
-            <a:ext cx="4332341" cy="287536"/>
+            <a:off x="3198509" y="9343248"/>
+            <a:ext cx="2964472" cy="536700"/>
           </a:xfrm>
           <a:prstGeom prst="rect">
             <a:avLst/>
           </a:prstGeom>
         </p:spPr>
         <p:txBody>
-          <a:bodyPr vert="horz" lIns="115379" tIns="57689" rIns="115379" bIns="57689" rtlCol="0" anchor="ctr"/>
+          <a:bodyPr vert="horz" lIns="124600" tIns="62299" rIns="124600" bIns="62299" rtlCol="0" anchor="ctr"/>
           <a:lstStyle>
             <a:lvl1pPr algn="ctr">
-              <a:defRPr sz="1500">
+              <a:defRPr sz="1600">
                 <a:solidFill>
                   <a:schemeClr val="tx1">
                     <a:tint val="75000"/>
@@ -2780,18 +2780,18 @@
         </p:nvSpPr>
         <p:spPr>
           <a:xfrm>
-            <a:off x="9804772" y="5005626"/>
-            <a:ext cx="3192251" cy="287536"/>
+            <a:off x="6709067" y="9343248"/>
+            <a:ext cx="2184348" cy="536700"/>
           </a:xfrm>
           <a:prstGeom prst="rect">
             <a:avLst/>
           </a:prstGeom>
         </p:spPr>
         <p:txBody>
-          <a:bodyPr vert="horz" lIns="115379" tIns="57689" rIns="115379" bIns="57689" rtlCol="0" anchor="ctr"/>
+          <a:bodyPr vert="horz" lIns="124600" tIns="62299" rIns="124600" bIns="62299" rtlCol="0" anchor="ctr"/>
           <a:lstStyle>
             <a:lvl1pPr algn="r">
-              <a:defRPr sz="1500">
+              <a:defRPr sz="1600">
                 <a:solidFill>
                   <a:schemeClr val="tx1">
                     <a:tint val="75000"/>
@@ -2832,12 +2832,12 @@
   </p:sldLayoutIdLst>
   <p:txStyles>
     <p:titleStyle>
-      <a:lvl1pPr algn="ctr" defTabSz="1153790" rtl="0" eaLnBrk="1" latinLnBrk="0" hangingPunct="1">
+      <a:lvl1pPr algn="ctr" defTabSz="1246004" rtl="0" eaLnBrk="1" latinLnBrk="0" hangingPunct="1">
         <a:spcBef>
           <a:spcPct val="0"/>
         </a:spcBef>
         <a:buNone/>
-        <a:defRPr sz="5600" kern="1200">
+        <a:defRPr sz="6100" kern="1200">
           <a:solidFill>
             <a:schemeClr val="tx1"/>
           </a:solidFill>
@@ -2848,13 +2848,13 @@
       </a:lvl1pPr>
     </p:titleStyle>
     <p:bodyStyle>
-      <a:lvl1pPr marL="432671" indent="-432671" algn="l" defTabSz="1153790" rtl="0" eaLnBrk="1" latinLnBrk="0" hangingPunct="1">
+      <a:lvl1pPr marL="467251" indent="-467251" algn="l" defTabSz="1246004" rtl="0" eaLnBrk="1" latinLnBrk="0" hangingPunct="1">
         <a:spcBef>
           <a:spcPct val="20000"/>
         </a:spcBef>
         <a:buFont typeface="Arial" panose="020B0604020202020204" pitchFamily="34" charset="0"/>
         <a:buChar char="•"/>
-        <a:defRPr sz="4000" kern="1200">
+        <a:defRPr sz="4400" kern="1200">
           <a:solidFill>
             <a:schemeClr val="tx1"/>
           </a:solidFill>
@@ -2863,13 +2863,13 @@
           <a:cs typeface="+mn-cs"/>
         </a:defRPr>
       </a:lvl1pPr>
-      <a:lvl2pPr marL="937454" indent="-360559" algn="l" defTabSz="1153790" rtl="0" eaLnBrk="1" latinLnBrk="0" hangingPunct="1">
+      <a:lvl2pPr marL="1012378" indent="-389375" algn="l" defTabSz="1246004" rtl="0" eaLnBrk="1" latinLnBrk="0" hangingPunct="1">
         <a:spcBef>
           <a:spcPct val="20000"/>
         </a:spcBef>
         <a:buFont typeface="Arial" panose="020B0604020202020204" pitchFamily="34" charset="0"/>
         <a:buChar char="–"/>
-        <a:defRPr sz="3500" kern="1200">
+        <a:defRPr sz="3800" kern="1200">
           <a:solidFill>
             <a:schemeClr val="tx1"/>
           </a:solidFill>
@@ -2878,13 +2878,13 @@
           <a:cs typeface="+mn-cs"/>
         </a:defRPr>
       </a:lvl2pPr>
-      <a:lvl3pPr marL="1442237" indent="-288447" algn="l" defTabSz="1153790" rtl="0" eaLnBrk="1" latinLnBrk="0" hangingPunct="1">
+      <a:lvl3pPr marL="1557503" indent="-311501" algn="l" defTabSz="1246004" rtl="0" eaLnBrk="1" latinLnBrk="0" hangingPunct="1">
         <a:spcBef>
           <a:spcPct val="20000"/>
         </a:spcBef>
         <a:buFont typeface="Arial" panose="020B0604020202020204" pitchFamily="34" charset="0"/>
         <a:buChar char="•"/>
-        <a:defRPr sz="3000" kern="1200">
+        <a:defRPr sz="3200" kern="1200">
           <a:solidFill>
             <a:schemeClr val="tx1"/>
           </a:solidFill>
@@ -2893,13 +2893,13 @@
           <a:cs typeface="+mn-cs"/>
         </a:defRPr>
       </a:lvl3pPr>
-      <a:lvl4pPr marL="2019132" indent="-288447" algn="l" defTabSz="1153790" rtl="0" eaLnBrk="1" latinLnBrk="0" hangingPunct="1">
+      <a:lvl4pPr marL="2180505" indent="-311501" algn="l" defTabSz="1246004" rtl="0" eaLnBrk="1" latinLnBrk="0" hangingPunct="1">
         <a:spcBef>
           <a:spcPct val="20000"/>
         </a:spcBef>
         <a:buFont typeface="Arial" panose="020B0604020202020204" pitchFamily="34" charset="0"/>
         <a:buChar char="–"/>
-        <a:defRPr sz="2500" kern="1200">
+        <a:defRPr sz="2700" kern="1200">
           <a:solidFill>
             <a:schemeClr val="tx1"/>
           </a:solidFill>
@@ -2908,13 +2908,13 @@
           <a:cs typeface="+mn-cs"/>
         </a:defRPr>
       </a:lvl4pPr>
-      <a:lvl5pPr marL="2596027" indent="-288447" algn="l" defTabSz="1153790" rtl="0" eaLnBrk="1" latinLnBrk="0" hangingPunct="1">
+      <a:lvl5pPr marL="2803507" indent="-311501" algn="l" defTabSz="1246004" rtl="0" eaLnBrk="1" latinLnBrk="0" hangingPunct="1">
         <a:spcBef>
           <a:spcPct val="20000"/>
         </a:spcBef>
         <a:buFont typeface="Arial" panose="020B0604020202020204" pitchFamily="34" charset="0"/>
         <a:buChar char="»"/>
-        <a:defRPr sz="2500" kern="1200">
+        <a:defRPr sz="2700" kern="1200">
           <a:solidFill>
             <a:schemeClr val="tx1"/>
           </a:solidFill>
@@ -2923,13 +2923,13 @@
           <a:cs typeface="+mn-cs"/>
         </a:defRPr>
       </a:lvl5pPr>
-      <a:lvl6pPr marL="3172922" indent="-288447" algn="l" defTabSz="1153790" rtl="0" eaLnBrk="1" latinLnBrk="0" hangingPunct="1">
+      <a:lvl6pPr marL="3426508" indent="-311501" algn="l" defTabSz="1246004" rtl="0" eaLnBrk="1" latinLnBrk="0" hangingPunct="1">
         <a:spcBef>
           <a:spcPct val="20000"/>
         </a:spcBef>
         <a:buFont typeface="Arial" panose="020B0604020202020204" pitchFamily="34" charset="0"/>
         <a:buChar char="•"/>
-        <a:defRPr sz="2500" kern="1200">
+        <a:defRPr sz="2700" kern="1200">
           <a:solidFill>
             <a:schemeClr val="tx1"/>
           </a:solidFill>
@@ -2938,13 +2938,13 @@
           <a:cs typeface="+mn-cs"/>
         </a:defRPr>
       </a:lvl6pPr>
-      <a:lvl7pPr marL="3749817" indent="-288447" algn="l" defTabSz="1153790" rtl="0" eaLnBrk="1" latinLnBrk="0" hangingPunct="1">
+      <a:lvl7pPr marL="4049510" indent="-311501" algn="l" defTabSz="1246004" rtl="0" eaLnBrk="1" latinLnBrk="0" hangingPunct="1">
         <a:spcBef>
           <a:spcPct val="20000"/>
         </a:spcBef>
         <a:buFont typeface="Arial" panose="020B0604020202020204" pitchFamily="34" charset="0"/>
         <a:buChar char="•"/>
-        <a:defRPr sz="2500" kern="1200">
+        <a:defRPr sz="2700" kern="1200">
           <a:solidFill>
             <a:schemeClr val="tx1"/>
           </a:solidFill>
@@ -2953,13 +2953,13 @@
           <a:cs typeface="+mn-cs"/>
         </a:defRPr>
       </a:lvl7pPr>
-      <a:lvl8pPr marL="4326712" indent="-288447" algn="l" defTabSz="1153790" rtl="0" eaLnBrk="1" latinLnBrk="0" hangingPunct="1">
+      <a:lvl8pPr marL="4672512" indent="-311501" algn="l" defTabSz="1246004" rtl="0" eaLnBrk="1" latinLnBrk="0" hangingPunct="1">
         <a:spcBef>
           <a:spcPct val="20000"/>
         </a:spcBef>
         <a:buFont typeface="Arial" panose="020B0604020202020204" pitchFamily="34" charset="0"/>
         <a:buChar char="•"/>
-        <a:defRPr sz="2500" kern="1200">
+        <a:defRPr sz="2700" kern="1200">
           <a:solidFill>
             <a:schemeClr val="tx1"/>
           </a:solidFill>
@@ -2968,13 +2968,13 @@
           <a:cs typeface="+mn-cs"/>
         </a:defRPr>
       </a:lvl8pPr>
-      <a:lvl9pPr marL="4903607" indent="-288447" algn="l" defTabSz="1153790" rtl="0" eaLnBrk="1" latinLnBrk="0" hangingPunct="1">
+      <a:lvl9pPr marL="5295513" indent="-311501" algn="l" defTabSz="1246004" rtl="0" eaLnBrk="1" latinLnBrk="0" hangingPunct="1">
         <a:spcBef>
           <a:spcPct val="20000"/>
         </a:spcBef>
         <a:buFont typeface="Arial" panose="020B0604020202020204" pitchFamily="34" charset="0"/>
         <a:buChar char="•"/>
-        <a:defRPr sz="2500" kern="1200">
+        <a:defRPr sz="2700" kern="1200">
           <a:solidFill>
             <a:schemeClr val="tx1"/>
           </a:solidFill>
@@ -2988,8 +2988,8 @@
       <a:defPPr>
         <a:defRPr lang="en-US"/>
       </a:defPPr>
-      <a:lvl1pPr marL="0" algn="l" defTabSz="1153790" rtl="0" eaLnBrk="1" latinLnBrk="0" hangingPunct="1">
-        <a:defRPr sz="2300" kern="1200">
+      <a:lvl1pPr marL="0" algn="l" defTabSz="1246004" rtl="0" eaLnBrk="1" latinLnBrk="0" hangingPunct="1">
+        <a:defRPr sz="2500" kern="1200">
           <a:solidFill>
             <a:schemeClr val="tx1"/>
           </a:solidFill>
@@ -2998,8 +2998,8 @@
           <a:cs typeface="+mn-cs"/>
         </a:defRPr>
       </a:lvl1pPr>
-      <a:lvl2pPr marL="576895" algn="l" defTabSz="1153790" rtl="0" eaLnBrk="1" latinLnBrk="0" hangingPunct="1">
-        <a:defRPr sz="2300" kern="1200">
+      <a:lvl2pPr marL="623001" algn="l" defTabSz="1246004" rtl="0" eaLnBrk="1" latinLnBrk="0" hangingPunct="1">
+        <a:defRPr sz="2500" kern="1200">
           <a:solidFill>
             <a:schemeClr val="tx1"/>
           </a:solidFill>
@@ -3008,8 +3008,8 @@
           <a:cs typeface="+mn-cs"/>
         </a:defRPr>
       </a:lvl2pPr>
-      <a:lvl3pPr marL="1153790" algn="l" defTabSz="1153790" rtl="0" eaLnBrk="1" latinLnBrk="0" hangingPunct="1">
-        <a:defRPr sz="2300" kern="1200">
+      <a:lvl3pPr marL="1246004" algn="l" defTabSz="1246004" rtl="0" eaLnBrk="1" latinLnBrk="0" hangingPunct="1">
+        <a:defRPr sz="2500" kern="1200">
           <a:solidFill>
             <a:schemeClr val="tx1"/>
           </a:solidFill>
@@ -3018,8 +3018,8 @@
           <a:cs typeface="+mn-cs"/>
         </a:defRPr>
       </a:lvl3pPr>
-      <a:lvl4pPr marL="1730685" algn="l" defTabSz="1153790" rtl="0" eaLnBrk="1" latinLnBrk="0" hangingPunct="1">
-        <a:defRPr sz="2300" kern="1200">
+      <a:lvl4pPr marL="1869005" algn="l" defTabSz="1246004" rtl="0" eaLnBrk="1" latinLnBrk="0" hangingPunct="1">
+        <a:defRPr sz="2500" kern="1200">
           <a:solidFill>
             <a:schemeClr val="tx1"/>
           </a:solidFill>
@@ -3028,8 +3028,8 @@
           <a:cs typeface="+mn-cs"/>
         </a:defRPr>
       </a:lvl4pPr>
-      <a:lvl5pPr marL="2307580" algn="l" defTabSz="1153790" rtl="0" eaLnBrk="1" latinLnBrk="0" hangingPunct="1">
-        <a:defRPr sz="2300" kern="1200">
+      <a:lvl5pPr marL="2492006" algn="l" defTabSz="1246004" rtl="0" eaLnBrk="1" latinLnBrk="0" hangingPunct="1">
+        <a:defRPr sz="2500" kern="1200">
           <a:solidFill>
             <a:schemeClr val="tx1"/>
           </a:solidFill>
@@ -3038,8 +3038,8 @@
           <a:cs typeface="+mn-cs"/>
         </a:defRPr>
       </a:lvl5pPr>
-      <a:lvl6pPr marL="2884475" algn="l" defTabSz="1153790" rtl="0" eaLnBrk="1" latinLnBrk="0" hangingPunct="1">
-        <a:defRPr sz="2300" kern="1200">
+      <a:lvl6pPr marL="3115008" algn="l" defTabSz="1246004" rtl="0" eaLnBrk="1" latinLnBrk="0" hangingPunct="1">
+        <a:defRPr sz="2500" kern="1200">
           <a:solidFill>
             <a:schemeClr val="tx1"/>
           </a:solidFill>
@@ -3048,8 +3048,8 @@
           <a:cs typeface="+mn-cs"/>
         </a:defRPr>
       </a:lvl6pPr>
-      <a:lvl7pPr marL="3461370" algn="l" defTabSz="1153790" rtl="0" eaLnBrk="1" latinLnBrk="0" hangingPunct="1">
-        <a:defRPr sz="2300" kern="1200">
+      <a:lvl7pPr marL="3738010" algn="l" defTabSz="1246004" rtl="0" eaLnBrk="1" latinLnBrk="0" hangingPunct="1">
+        <a:defRPr sz="2500" kern="1200">
           <a:solidFill>
             <a:schemeClr val="tx1"/>
           </a:solidFill>
@@ -3058,8 +3058,8 @@
           <a:cs typeface="+mn-cs"/>
         </a:defRPr>
       </a:lvl7pPr>
-      <a:lvl8pPr marL="4038265" algn="l" defTabSz="1153790" rtl="0" eaLnBrk="1" latinLnBrk="0" hangingPunct="1">
-        <a:defRPr sz="2300" kern="1200">
+      <a:lvl8pPr marL="4361011" algn="l" defTabSz="1246004" rtl="0" eaLnBrk="1" latinLnBrk="0" hangingPunct="1">
+        <a:defRPr sz="2500" kern="1200">
           <a:solidFill>
             <a:schemeClr val="tx1"/>
           </a:solidFill>
@@ -3068,8 +3068,8 @@
           <a:cs typeface="+mn-cs"/>
         </a:defRPr>
       </a:lvl8pPr>
-      <a:lvl9pPr marL="4615160" algn="l" defTabSz="1153790" rtl="0" eaLnBrk="1" latinLnBrk="0" hangingPunct="1">
-        <a:defRPr sz="2300" kern="1200">
+      <a:lvl9pPr marL="4984012" algn="l" defTabSz="1246004" rtl="0" eaLnBrk="1" latinLnBrk="0" hangingPunct="1">
+        <a:defRPr sz="2500" kern="1200">
           <a:solidFill>
             <a:schemeClr val="tx1"/>
           </a:solidFill>
@@ -3102,7 +3102,7 @@
       </p:grpSpPr>
       <p:pic>
         <p:nvPicPr>
-          <p:cNvPr id="1027" name="Picture 3" descr="C:\Users\Wendy\Documents\wwn20\Thesis\Chapter6\Figures\Ag_spec.png"/>
+          <p:cNvPr id="24" name="Picture 3" descr="C:\Users\Wendy\Documents\wwn20\Thesis\Chapter6\Figures\Ag_spec.png"/>
           <p:cNvPicPr>
             <a:picLocks noChangeAspect="1" noChangeArrowheads="1"/>
           </p:cNvPicPr>
@@ -3143,7 +3143,7 @@
       </p:pic>
       <p:pic>
         <p:nvPicPr>
-          <p:cNvPr id="1026" name="Picture 2" descr="C:\Users\Wendy\Documents\wwn20\Thesis\Chapter6\Figures\Ag_anneal_spec.png"/>
+          <p:cNvPr id="25" name="Picture 2" descr="C:\Users\Wendy\Documents\wwn20\Thesis\Chapter6\Figures\Ag_anneal_spec.png"/>
           <p:cNvPicPr>
             <a:picLocks noChangeAspect="1" noChangeArrowheads="1"/>
           </p:cNvPicPr>
@@ -3164,7 +3164,7 @@
         </p:blipFill>
         <p:spPr bwMode="auto">
           <a:xfrm>
-            <a:off x="4907291" y="0"/>
+            <a:off x="119266" y="5072002"/>
             <a:ext cx="5000625" cy="5029200"/>
           </a:xfrm>
           <a:prstGeom prst="rect">
@@ -3184,7 +3184,7 @@
       </p:pic>
       <p:pic>
         <p:nvPicPr>
-          <p:cNvPr id="12" name="Picture 4" descr="C:\Users\Wendy\Documents\wwn20\Thesis\Chapter6\Figures\Ag_anneal_stat.png"/>
+          <p:cNvPr id="26" name="Picture 4" descr="C:\Users\Wendy\Documents\wwn20\Thesis\Chapter6\Figures\Ag_anneal_stat.png"/>
           <p:cNvPicPr>
             <a:picLocks noChangeAspect="1" noChangeArrowheads="1"/>
           </p:cNvPicPr>
@@ -3205,7 +3205,7 @@
         </p:blipFill>
         <p:spPr bwMode="auto">
           <a:xfrm>
-            <a:off x="9625662" y="335569"/>
+            <a:off x="5196537" y="5496420"/>
             <a:ext cx="4429125" cy="4476750"/>
           </a:xfrm>
           <a:prstGeom prst="rect">
@@ -3225,7 +3225,7 @@
       </p:pic>
       <p:sp>
         <p:nvSpPr>
-          <p:cNvPr id="4" name="TextBox 3"/>
+          <p:cNvPr id="27" name="TextBox 26"/>
           <p:cNvSpPr txBox="1"/>
           <p:nvPr/>
         </p:nvSpPr>
@@ -3255,13 +3255,13 @@
       </p:sp>
       <p:sp>
         <p:nvSpPr>
-          <p:cNvPr id="14" name="TextBox 13"/>
+          <p:cNvPr id="28" name="TextBox 27"/>
           <p:cNvSpPr txBox="1"/>
           <p:nvPr/>
         </p:nvSpPr>
         <p:spPr>
           <a:xfrm>
-            <a:off x="4746557" y="-87202"/>
+            <a:off x="-41468" y="4984800"/>
             <a:ext cx="624208" cy="553998"/>
           </a:xfrm>
           <a:prstGeom prst="rect">
@@ -3285,13 +3285,13 @@
       </p:sp>
       <p:sp>
         <p:nvSpPr>
-          <p:cNvPr id="15" name="TextBox 14"/>
+          <p:cNvPr id="29" name="TextBox 28"/>
           <p:cNvSpPr txBox="1"/>
           <p:nvPr/>
         </p:nvSpPr>
         <p:spPr>
           <a:xfrm>
-            <a:off x="10104761" y="-87202"/>
+            <a:off x="5100490" y="5004618"/>
             <a:ext cx="624208" cy="553998"/>
           </a:xfrm>
           <a:prstGeom prst="rect">
@@ -3313,6 +3313,43 @@
           </a:p>
         </p:txBody>
       </p:sp>
+      <p:cxnSp>
+        <p:nvCxnSpPr>
+          <p:cNvPr id="30" name="Straight Arrow Connector 29"/>
+          <p:cNvCxnSpPr/>
+          <p:nvPr/>
+        </p:nvCxnSpPr>
+        <p:spPr>
+          <a:xfrm>
+            <a:off x="4788594" y="7164858"/>
+            <a:ext cx="624000" cy="0"/>
+          </a:xfrm>
+          <a:prstGeom prst="straightConnector1">
+            <a:avLst/>
+          </a:prstGeom>
+          <a:ln w="19050">
+            <a:solidFill>
+              <a:schemeClr val="tx1"/>
+            </a:solidFill>
+            <a:headEnd type="none" w="med" len="med"/>
+            <a:tailEnd type="triangle" w="lg" len="lg"/>
+          </a:ln>
+        </p:spPr>
+        <p:style>
+          <a:lnRef idx="1">
+            <a:schemeClr val="accent1"/>
+          </a:lnRef>
+          <a:fillRef idx="0">
+            <a:schemeClr val="accent1"/>
+          </a:fillRef>
+          <a:effectRef idx="0">
+            <a:schemeClr val="accent1"/>
+          </a:effectRef>
+          <a:fontRef idx="minor">
+            <a:schemeClr val="tx1"/>
+          </a:fontRef>
+        </p:style>
+      </p:cxnSp>
     </p:spTree>
     <p:extLst>
       <p:ext uri="{BB962C8B-B14F-4D97-AF65-F5344CB8AC3E}">

--- a/Chapter6/Figures/Fig6.pptx
+++ b/Chapter6/Figures/Fig6.pptx
@@ -288,7 +288,7 @@
           <a:p>
             <a:fld id="{5760C193-F22B-47A4-84D6-4FB1A09B847A}" type="datetimeFigureOut">
               <a:rPr lang="en-GB" smtClean="0"/>
-              <a:t>04/07/2014</a:t>
+              <a:t>19/10/2014</a:t>
             </a:fld>
             <a:endParaRPr lang="en-GB"/>
           </a:p>
@@ -458,7 +458,7 @@
           <a:p>
             <a:fld id="{5760C193-F22B-47A4-84D6-4FB1A09B847A}" type="datetimeFigureOut">
               <a:rPr lang="en-GB" smtClean="0"/>
-              <a:t>04/07/2014</a:t>
+              <a:t>19/10/2014</a:t>
             </a:fld>
             <a:endParaRPr lang="en-GB"/>
           </a:p>
@@ -638,7 +638,7 @@
           <a:p>
             <a:fld id="{5760C193-F22B-47A4-84D6-4FB1A09B847A}" type="datetimeFigureOut">
               <a:rPr lang="en-GB" smtClean="0"/>
-              <a:t>04/07/2014</a:t>
+              <a:t>19/10/2014</a:t>
             </a:fld>
             <a:endParaRPr lang="en-GB"/>
           </a:p>
@@ -808,7 +808,7 @@
           <a:p>
             <a:fld id="{5760C193-F22B-47A4-84D6-4FB1A09B847A}" type="datetimeFigureOut">
               <a:rPr lang="en-GB" smtClean="0"/>
-              <a:t>04/07/2014</a:t>
+              <a:t>19/10/2014</a:t>
             </a:fld>
             <a:endParaRPr lang="en-GB"/>
           </a:p>
@@ -1054,7 +1054,7 @@
           <a:p>
             <a:fld id="{5760C193-F22B-47A4-84D6-4FB1A09B847A}" type="datetimeFigureOut">
               <a:rPr lang="en-GB" smtClean="0"/>
-              <a:t>04/07/2014</a:t>
+              <a:t>19/10/2014</a:t>
             </a:fld>
             <a:endParaRPr lang="en-GB"/>
           </a:p>
@@ -1342,7 +1342,7 @@
           <a:p>
             <a:fld id="{5760C193-F22B-47A4-84D6-4FB1A09B847A}" type="datetimeFigureOut">
               <a:rPr lang="en-GB" smtClean="0"/>
-              <a:t>04/07/2014</a:t>
+              <a:t>19/10/2014</a:t>
             </a:fld>
             <a:endParaRPr lang="en-GB"/>
           </a:p>
@@ -1769,7 +1769,7 @@
           <a:p>
             <a:fld id="{5760C193-F22B-47A4-84D6-4FB1A09B847A}" type="datetimeFigureOut">
               <a:rPr lang="en-GB" smtClean="0"/>
-              <a:t>04/07/2014</a:t>
+              <a:t>19/10/2014</a:t>
             </a:fld>
             <a:endParaRPr lang="en-GB"/>
           </a:p>
@@ -1887,7 +1887,7 @@
           <a:p>
             <a:fld id="{5760C193-F22B-47A4-84D6-4FB1A09B847A}" type="datetimeFigureOut">
               <a:rPr lang="en-GB" smtClean="0"/>
-              <a:t>04/07/2014</a:t>
+              <a:t>19/10/2014</a:t>
             </a:fld>
             <a:endParaRPr lang="en-GB"/>
           </a:p>
@@ -1982,7 +1982,7 @@
           <a:p>
             <a:fld id="{5760C193-F22B-47A4-84D6-4FB1A09B847A}" type="datetimeFigureOut">
               <a:rPr lang="en-GB" smtClean="0"/>
-              <a:t>04/07/2014</a:t>
+              <a:t>19/10/2014</a:t>
             </a:fld>
             <a:endParaRPr lang="en-GB"/>
           </a:p>
@@ -2259,7 +2259,7 @@
           <a:p>
             <a:fld id="{5760C193-F22B-47A4-84D6-4FB1A09B847A}" type="datetimeFigureOut">
               <a:rPr lang="en-GB" smtClean="0"/>
-              <a:t>04/07/2014</a:t>
+              <a:t>19/10/2014</a:t>
             </a:fld>
             <a:endParaRPr lang="en-GB"/>
           </a:p>
@@ -2512,7 +2512,7 @@
           <a:p>
             <a:fld id="{5760C193-F22B-47A4-84D6-4FB1A09B847A}" type="datetimeFigureOut">
               <a:rPr lang="en-GB" smtClean="0"/>
-              <a:t>04/07/2014</a:t>
+              <a:t>19/10/2014</a:t>
             </a:fld>
             <a:endParaRPr lang="en-GB"/>
           </a:p>
@@ -2725,7 +2725,7 @@
           <a:p>
             <a:fld id="{5760C193-F22B-47A4-84D6-4FB1A09B847A}" type="datetimeFigureOut">
               <a:rPr lang="en-GB" smtClean="0"/>
-              <a:t>04/07/2014</a:t>
+              <a:t>19/10/2014</a:t>
             </a:fld>
             <a:endParaRPr lang="en-GB"/>
           </a:p>
@@ -3102,7 +3102,7 @@
       </p:grpSpPr>
       <p:pic>
         <p:nvPicPr>
-          <p:cNvPr id="24" name="Picture 3" descr="C:\Users\Wendy\Documents\wwn20\Thesis\Chapter6\Figures\Ag_spec.png"/>
+          <p:cNvPr id="1026" name="Picture 2" descr="C:\Users\Wendy\Documents\wwn20\Thesis\Chapter6\Figures\Ag_anneal_spec.png"/>
           <p:cNvPicPr>
             <a:picLocks noChangeAspect="1" noChangeArrowheads="1"/>
           </p:cNvPicPr>
@@ -3123,7 +3123,7 @@
         </p:blipFill>
         <p:spPr bwMode="auto">
           <a:xfrm>
-            <a:off x="119267" y="0"/>
+            <a:off x="123418" y="5072002"/>
             <a:ext cx="5000625" cy="5029200"/>
           </a:xfrm>
           <a:prstGeom prst="rect">
@@ -3143,7 +3143,7 @@
       </p:pic>
       <p:pic>
         <p:nvPicPr>
-          <p:cNvPr id="25" name="Picture 2" descr="C:\Users\Wendy\Documents\wwn20\Thesis\Chapter6\Figures\Ag_anneal_spec.png"/>
+          <p:cNvPr id="1027" name="Picture 3" descr="C:\Users\Wendy\Documents\wwn20\Thesis\Chapter6\Figures\Ag_spec.png"/>
           <p:cNvPicPr>
             <a:picLocks noChangeAspect="1" noChangeArrowheads="1"/>
           </p:cNvPicPr>
@@ -3164,7 +3164,7 @@
         </p:blipFill>
         <p:spPr bwMode="auto">
           <a:xfrm>
-            <a:off x="119266" y="5072002"/>
+            <a:off x="119267" y="931"/>
             <a:ext cx="5000625" cy="5029200"/>
           </a:xfrm>
           <a:prstGeom prst="rect">
